--- a/Sprint1_ISS2020/userDocs/images.pptx
+++ b/Sprint1_ISS2020/userDocs/images.pptx
@@ -267,7 +267,7 @@
           <a:p>
             <a:fld id="{E4248CD4-4C32-45E7-9F40-9E5F0D1EAF13}" type="datetimeFigureOut">
               <a:rPr lang="it-IT" smtClean="0"/>
-              <a:t>09/09/2020</a:t>
+              <a:t>27/09/2020</a:t>
             </a:fld>
             <a:endParaRPr lang="it-IT"/>
           </a:p>
@@ -465,7 +465,7 @@
           <a:p>
             <a:fld id="{E4248CD4-4C32-45E7-9F40-9E5F0D1EAF13}" type="datetimeFigureOut">
               <a:rPr lang="it-IT" smtClean="0"/>
-              <a:t>09/09/2020</a:t>
+              <a:t>27/09/2020</a:t>
             </a:fld>
             <a:endParaRPr lang="it-IT"/>
           </a:p>
@@ -673,7 +673,7 @@
           <a:p>
             <a:fld id="{E4248CD4-4C32-45E7-9F40-9E5F0D1EAF13}" type="datetimeFigureOut">
               <a:rPr lang="it-IT" smtClean="0"/>
-              <a:t>09/09/2020</a:t>
+              <a:t>27/09/2020</a:t>
             </a:fld>
             <a:endParaRPr lang="it-IT"/>
           </a:p>
@@ -871,7 +871,7 @@
           <a:p>
             <a:fld id="{E4248CD4-4C32-45E7-9F40-9E5F0D1EAF13}" type="datetimeFigureOut">
               <a:rPr lang="it-IT" smtClean="0"/>
-              <a:t>09/09/2020</a:t>
+              <a:t>27/09/2020</a:t>
             </a:fld>
             <a:endParaRPr lang="it-IT"/>
           </a:p>
@@ -1146,7 +1146,7 @@
           <a:p>
             <a:fld id="{E4248CD4-4C32-45E7-9F40-9E5F0D1EAF13}" type="datetimeFigureOut">
               <a:rPr lang="it-IT" smtClean="0"/>
-              <a:t>09/09/2020</a:t>
+              <a:t>27/09/2020</a:t>
             </a:fld>
             <a:endParaRPr lang="it-IT"/>
           </a:p>
@@ -1411,7 +1411,7 @@
           <a:p>
             <a:fld id="{E4248CD4-4C32-45E7-9F40-9E5F0D1EAF13}" type="datetimeFigureOut">
               <a:rPr lang="it-IT" smtClean="0"/>
-              <a:t>09/09/2020</a:t>
+              <a:t>27/09/2020</a:t>
             </a:fld>
             <a:endParaRPr lang="it-IT"/>
           </a:p>
@@ -1823,7 +1823,7 @@
           <a:p>
             <a:fld id="{E4248CD4-4C32-45E7-9F40-9E5F0D1EAF13}" type="datetimeFigureOut">
               <a:rPr lang="it-IT" smtClean="0"/>
-              <a:t>09/09/2020</a:t>
+              <a:t>27/09/2020</a:t>
             </a:fld>
             <a:endParaRPr lang="it-IT"/>
           </a:p>
@@ -1964,7 +1964,7 @@
           <a:p>
             <a:fld id="{E4248CD4-4C32-45E7-9F40-9E5F0D1EAF13}" type="datetimeFigureOut">
               <a:rPr lang="it-IT" smtClean="0"/>
-              <a:t>09/09/2020</a:t>
+              <a:t>27/09/2020</a:t>
             </a:fld>
             <a:endParaRPr lang="it-IT"/>
           </a:p>
@@ -2077,7 +2077,7 @@
           <a:p>
             <a:fld id="{E4248CD4-4C32-45E7-9F40-9E5F0D1EAF13}" type="datetimeFigureOut">
               <a:rPr lang="it-IT" smtClean="0"/>
-              <a:t>09/09/2020</a:t>
+              <a:t>27/09/2020</a:t>
             </a:fld>
             <a:endParaRPr lang="it-IT"/>
           </a:p>
@@ -2388,7 +2388,7 @@
           <a:p>
             <a:fld id="{E4248CD4-4C32-45E7-9F40-9E5F0D1EAF13}" type="datetimeFigureOut">
               <a:rPr lang="it-IT" smtClean="0"/>
-              <a:t>09/09/2020</a:t>
+              <a:t>27/09/2020</a:t>
             </a:fld>
             <a:endParaRPr lang="it-IT"/>
           </a:p>
@@ -2676,7 +2676,7 @@
           <a:p>
             <a:fld id="{E4248CD4-4C32-45E7-9F40-9E5F0D1EAF13}" type="datetimeFigureOut">
               <a:rPr lang="it-IT" smtClean="0"/>
-              <a:t>09/09/2020</a:t>
+              <a:t>27/09/2020</a:t>
             </a:fld>
             <a:endParaRPr lang="it-IT"/>
           </a:p>
@@ -2917,7 +2917,7 @@
           <a:p>
             <a:fld id="{E4248CD4-4C32-45E7-9F40-9E5F0D1EAF13}" type="datetimeFigureOut">
               <a:rPr lang="it-IT" smtClean="0"/>
-              <a:t>09/09/2020</a:t>
+              <a:t>27/09/2020</a:t>
             </a:fld>
             <a:endParaRPr lang="it-IT"/>
           </a:p>
@@ -4816,10 +4816,10 @@
         </p:nvGrpSpPr>
         <p:grpSpPr>
           <a:xfrm>
-            <a:off x="2831422" y="2310908"/>
-            <a:ext cx="5574017" cy="2409235"/>
-            <a:chOff x="2831422" y="2310908"/>
-            <a:chExt cx="5574017" cy="2409235"/>
+            <a:off x="2831422" y="2161906"/>
+            <a:ext cx="5920779" cy="2558237"/>
+            <a:chOff x="2831422" y="2161906"/>
+            <a:chExt cx="5920779" cy="2558237"/>
           </a:xfrm>
         </p:grpSpPr>
         <p:sp>
@@ -5429,8 +5429,8 @@
           </p:nvSpPr>
           <p:spPr>
             <a:xfrm>
-              <a:off x="7337518" y="2460259"/>
-              <a:ext cx="1067921" cy="646331"/>
+              <a:off x="7337518" y="2194357"/>
+              <a:ext cx="1414683" cy="923330"/>
             </a:xfrm>
             <a:prstGeom prst="rect">
               <a:avLst/>
@@ -5445,7 +5445,13 @@
             <a:p>
               <a:r>
                 <a:rPr lang="it-IT" dirty="0"/>
-                <a:t>ring</a:t>
+                <a:t>Ring</a:t>
+              </a:r>
+            </a:p>
+            <a:p>
+              <a:r>
+                <a:rPr lang="it-IT" dirty="0"/>
+                <a:t>wantToOrder</a:t>
               </a:r>
             </a:p>
             <a:p>
@@ -5470,8 +5476,8 @@
           </p:nvSpPr>
           <p:spPr>
             <a:xfrm>
-              <a:off x="2928957" y="2400658"/>
-              <a:ext cx="1375185" cy="646331"/>
+              <a:off x="2922132" y="2161906"/>
+              <a:ext cx="1375185" cy="923330"/>
             </a:xfrm>
             <a:prstGeom prst="rect">
               <a:avLst/>
@@ -5487,6 +5493,12 @@
               <a:r>
                 <a:rPr lang="it-IT" dirty="0"/>
                 <a:t>sendClientID</a:t>
+              </a:r>
+            </a:p>
+            <a:p>
+              <a:r>
+                <a:rPr lang="it-IT" dirty="0"/>
+                <a:t>orderPlease</a:t>
               </a:r>
             </a:p>
             <a:p>
@@ -15029,6 +15041,41 @@
           </a:prstGeom>
         </p:spPr>
       </p:pic>
+      <p:sp>
+        <p:nvSpPr>
+          <p:cNvPr id="8" name="CasellaDiTesto 7">
+            <a:extLst>
+              <a:ext uri="{FF2B5EF4-FFF2-40B4-BE49-F238E27FC236}">
+                <a16:creationId xmlns:a16="http://schemas.microsoft.com/office/drawing/2014/main" id="{A150AEBC-AD4E-415A-B3E3-FEC0368538D8}"/>
+              </a:ext>
+            </a:extLst>
+          </p:cNvPr>
+          <p:cNvSpPr txBox="1"/>
+          <p:nvPr/>
+        </p:nvSpPr>
+        <p:spPr>
+          <a:xfrm>
+            <a:off x="2076376" y="837084"/>
+            <a:ext cx="725968" cy="369332"/>
+          </a:xfrm>
+          <a:prstGeom prst="rect">
+            <a:avLst/>
+          </a:prstGeom>
+          <a:noFill/>
+        </p:spPr>
+        <p:txBody>
+          <a:bodyPr wrap="none" rtlCol="0">
+            <a:spAutoFit/>
+          </a:bodyPr>
+          <a:lstStyle/>
+          <a:p>
+            <a:r>
+              <a:rPr lang="it-IT" dirty="0"/>
+              <a:t>Client</a:t>
+            </a:r>
+          </a:p>
+        </p:txBody>
+      </p:sp>
     </p:spTree>
     <p:extLst>
       <p:ext uri="{BB962C8B-B14F-4D97-AF65-F5344CB8AC3E}">
